--- a/presentation/システム設計書_学習モデル.pptx
+++ b/presentation/システム設計書_学習モデル.pptx
@@ -7,7 +7,8 @@
   <p:sldIdLst>
     <p:sldId id="257" r:id="rId2"/>
     <p:sldId id="258" r:id="rId3"/>
-    <p:sldId id="263" r:id="rId4"/>
+    <p:sldId id="264" r:id="rId4"/>
+    <p:sldId id="263" r:id="rId5"/>
   </p:sldIdLst>
   <p:sldSz cx="9144000" cy="6858000" type="screen4x3"/>
   <p:notesSz cx="6858000" cy="9144000"/>
@@ -304,7 +305,7 @@
           <a:p>
             <a:fld id="{E90ED720-0104-4369-84BC-D37694168613}" type="datetimeFigureOut">
               <a:rPr kumimoji="1" lang="ja-JP" altLang="en-US" smtClean="0"/>
-              <a:t>2018/4/29</a:t>
+              <a:t>2018/4/30</a:t>
             </a:fld>
             <a:endParaRPr kumimoji="1" lang="ja-JP" altLang="en-US"/>
           </a:p>
@@ -499,7 +500,7 @@
           <a:p>
             <a:fld id="{E90ED720-0104-4369-84BC-D37694168613}" type="datetimeFigureOut">
               <a:rPr kumimoji="1" lang="ja-JP" altLang="en-US" smtClean="0"/>
-              <a:t>2018/4/29</a:t>
+              <a:t>2018/4/30</a:t>
             </a:fld>
             <a:endParaRPr kumimoji="1" lang="ja-JP" altLang="en-US"/>
           </a:p>
@@ -704,7 +705,7 @@
           <a:p>
             <a:fld id="{E90ED720-0104-4369-84BC-D37694168613}" type="datetimeFigureOut">
               <a:rPr kumimoji="1" lang="ja-JP" altLang="en-US" smtClean="0"/>
-              <a:t>2018/4/29</a:t>
+              <a:t>2018/4/30</a:t>
             </a:fld>
             <a:endParaRPr kumimoji="1" lang="ja-JP" altLang="en-US"/>
           </a:p>
@@ -899,7 +900,7 @@
           <a:p>
             <a:fld id="{E90ED720-0104-4369-84BC-D37694168613}" type="datetimeFigureOut">
               <a:rPr kumimoji="1" lang="ja-JP" altLang="en-US" smtClean="0"/>
-              <a:t>2018/4/29</a:t>
+              <a:t>2018/4/30</a:t>
             </a:fld>
             <a:endParaRPr kumimoji="1" lang="ja-JP" altLang="en-US"/>
           </a:p>
@@ -1139,7 +1140,7 @@
           <a:p>
             <a:fld id="{E90ED720-0104-4369-84BC-D37694168613}" type="datetimeFigureOut">
               <a:rPr kumimoji="1" lang="ja-JP" altLang="en-US" smtClean="0"/>
-              <a:t>2018/4/29</a:t>
+              <a:t>2018/4/30</a:t>
             </a:fld>
             <a:endParaRPr kumimoji="1" lang="ja-JP" altLang="en-US"/>
           </a:p>
@@ -1483,7 +1484,7 @@
           <a:p>
             <a:fld id="{E90ED720-0104-4369-84BC-D37694168613}" type="datetimeFigureOut">
               <a:rPr kumimoji="1" lang="ja-JP" altLang="en-US" smtClean="0"/>
-              <a:t>2018/4/29</a:t>
+              <a:t>2018/4/30</a:t>
             </a:fld>
             <a:endParaRPr kumimoji="1" lang="ja-JP" altLang="en-US"/>
           </a:p>
@@ -1961,7 +1962,7 @@
           <a:p>
             <a:fld id="{E90ED720-0104-4369-84BC-D37694168613}" type="datetimeFigureOut">
               <a:rPr kumimoji="1" lang="ja-JP" altLang="en-US" smtClean="0"/>
-              <a:t>2018/4/29</a:t>
+              <a:t>2018/4/30</a:t>
             </a:fld>
             <a:endParaRPr kumimoji="1" lang="ja-JP" altLang="en-US"/>
           </a:p>
@@ -2073,7 +2074,7 @@
           <a:p>
             <a:fld id="{E90ED720-0104-4369-84BC-D37694168613}" type="datetimeFigureOut">
               <a:rPr kumimoji="1" lang="ja-JP" altLang="en-US" smtClean="0"/>
-              <a:t>2018/4/29</a:t>
+              <a:t>2018/4/30</a:t>
             </a:fld>
             <a:endParaRPr kumimoji="1" lang="ja-JP" altLang="en-US"/>
           </a:p>
@@ -2163,7 +2164,7 @@
           <a:p>
             <a:fld id="{E90ED720-0104-4369-84BC-D37694168613}" type="datetimeFigureOut">
               <a:rPr kumimoji="1" lang="ja-JP" altLang="en-US" smtClean="0"/>
-              <a:t>2018/4/29</a:t>
+              <a:t>2018/4/30</a:t>
             </a:fld>
             <a:endParaRPr kumimoji="1" lang="ja-JP" altLang="en-US"/>
           </a:p>
@@ -2465,7 +2466,7 @@
           <a:p>
             <a:fld id="{E90ED720-0104-4369-84BC-D37694168613}" type="datetimeFigureOut">
               <a:rPr kumimoji="1" lang="ja-JP" altLang="en-US" smtClean="0"/>
-              <a:t>2018/4/29</a:t>
+              <a:t>2018/4/30</a:t>
             </a:fld>
             <a:endParaRPr kumimoji="1" lang="ja-JP" altLang="en-US"/>
           </a:p>
@@ -2712,7 +2713,7 @@
           <a:p>
             <a:fld id="{E90ED720-0104-4369-84BC-D37694168613}" type="datetimeFigureOut">
               <a:rPr kumimoji="1" lang="ja-JP" altLang="en-US" smtClean="0"/>
-              <a:t>2018/4/29</a:t>
+              <a:t>2018/4/30</a:t>
             </a:fld>
             <a:endParaRPr kumimoji="1" lang="ja-JP" altLang="en-US"/>
           </a:p>
@@ -2950,7 +2951,7 @@
           <a:p>
             <a:fld id="{E90ED720-0104-4369-84BC-D37694168613}" type="datetimeFigureOut">
               <a:rPr kumimoji="1" lang="ja-JP" altLang="en-US" smtClean="0"/>
-              <a:t>2018/4/29</a:t>
+              <a:t>2018/4/30</a:t>
             </a:fld>
             <a:endParaRPr kumimoji="1" lang="ja-JP" altLang="en-US"/>
           </a:p>
@@ -4228,6 +4229,124 @@
             <a:pPr algn="l"/>
             <a:r>
               <a:rPr lang="en-US" altLang="ja-JP" sz="1800" b="1" dirty="0"/>
+              <a:t>6. </a:t>
+            </a:r>
+            <a:r>
+              <a:rPr lang="ja-JP" altLang="en-US" sz="1800" b="1">
+                <a:latin typeface="+mj-ea"/>
+              </a:rPr>
+              <a:t>入力・出力形式</a:t>
+            </a:r>
+            <a:r>
+              <a:rPr lang="en-US" altLang="ja-JP" sz="1800" b="1" dirty="0">
+                <a:latin typeface="+mj-ea"/>
+              </a:rPr>
+              <a:t> </a:t>
+            </a:r>
+            <a:br>
+              <a:rPr lang="en-US" altLang="ja-JP" sz="1800" dirty="0"/>
+            </a:br>
+            <a:br>
+              <a:rPr lang="en-US" altLang="ja-JP" sz="1200" dirty="0"/>
+            </a:br>
+            <a:r>
+              <a:rPr lang="en-US" altLang="ja-JP" sz="1200" dirty="0"/>
+              <a:t>6-1. </a:t>
+            </a:r>
+            <a:r>
+              <a:rPr lang="ja-JP" altLang="en-US" sz="1200"/>
+              <a:t>入力形式</a:t>
+            </a:r>
+            <a:br>
+              <a:rPr lang="en-US" altLang="ja-JP" sz="1200" dirty="0"/>
+            </a:br>
+            <a:r>
+              <a:rPr lang="ja-JP" altLang="en-US" sz="1200"/>
+              <a:t>画像イメージ</a:t>
+            </a:r>
+            <a:br>
+              <a:rPr lang="en-US" altLang="ja-JP" sz="1200" dirty="0"/>
+            </a:br>
+            <a:br>
+              <a:rPr lang="en-US" altLang="ja-JP" sz="1200" dirty="0"/>
+            </a:br>
+            <a:br>
+              <a:rPr lang="en-US" altLang="ja-JP" sz="1200" dirty="0"/>
+            </a:br>
+            <a:br>
+              <a:rPr lang="en-US" altLang="ja-JP" sz="1200" dirty="0"/>
+            </a:br>
+            <a:br>
+              <a:rPr lang="en-US" altLang="ja-JP" sz="1200" dirty="0"/>
+            </a:br>
+            <a:br>
+              <a:rPr lang="en-US" altLang="ja-JP" sz="1200" dirty="0"/>
+            </a:br>
+            <a:endParaRPr kumimoji="1" lang="ja-JP" altLang="en-US" sz="1200"/>
+          </a:p>
+        </p:txBody>
+      </p:sp>
+    </p:spTree>
+    <p:extLst>
+      <p:ext uri="{BB962C8B-B14F-4D97-AF65-F5344CB8AC3E}">
+        <p14:creationId xmlns:p14="http://schemas.microsoft.com/office/powerpoint/2010/main" val="1478301828"/>
+      </p:ext>
+    </p:extLst>
+  </p:cSld>
+  <p:clrMapOvr>
+    <a:masterClrMapping/>
+  </p:clrMapOvr>
+</p:sld>
+</file>
+
+<file path=ppt/slides/slide4.xml><?xml version="1.0" encoding="utf-8"?>
+<p:sld xmlns:a="http://schemas.openxmlformats.org/drawingml/2006/main" xmlns:r="http://schemas.openxmlformats.org/officeDocument/2006/relationships" xmlns:p="http://schemas.openxmlformats.org/presentationml/2006/main">
+  <p:cSld>
+    <p:spTree>
+      <p:nvGrpSpPr>
+        <p:cNvPr id="1" name=""/>
+        <p:cNvGrpSpPr/>
+        <p:nvPr/>
+      </p:nvGrpSpPr>
+      <p:grpSpPr>
+        <a:xfrm>
+          <a:off x="0" y="0"/>
+          <a:ext cx="0" cy="0"/>
+          <a:chOff x="0" y="0"/>
+          <a:chExt cx="0" cy="0"/>
+        </a:xfrm>
+      </p:grpSpPr>
+      <p:sp>
+        <p:nvSpPr>
+          <p:cNvPr id="2" name="タイトル 1">
+            <a:extLst>
+              <a:ext uri="{FF2B5EF4-FFF2-40B4-BE49-F238E27FC236}">
+                <a16:creationId xmlns:a16="http://schemas.microsoft.com/office/drawing/2014/main" id="{42303C9D-0A55-7140-8AB8-2737FA3B160A}"/>
+              </a:ext>
+            </a:extLst>
+          </p:cNvPr>
+          <p:cNvSpPr>
+            <a:spLocks noGrp="1"/>
+          </p:cNvSpPr>
+          <p:nvPr>
+            <p:ph type="title"/>
+          </p:nvPr>
+        </p:nvSpPr>
+        <p:spPr>
+          <a:xfrm>
+            <a:off x="683568" y="836712"/>
+            <a:ext cx="7776864" cy="5688632"/>
+          </a:xfrm>
+        </p:spPr>
+        <p:txBody>
+          <a:bodyPr anchor="t" anchorCtr="0">
+            <a:noAutofit/>
+          </a:bodyPr>
+          <a:lstStyle/>
+          <a:p>
+            <a:pPr algn="l"/>
+            <a:r>
+              <a:rPr lang="en-US" altLang="ja-JP" sz="1800" b="1" dirty="0"/>
               <a:t>10. </a:t>
             </a:r>
             <a:r>
@@ -4245,32 +4364,463 @@
             <a:br>
               <a:rPr lang="en-US" altLang="ja-JP" sz="1800" dirty="0"/>
             </a:br>
-            <a:br>
-              <a:rPr lang="en-US" altLang="ja-JP" sz="1200" dirty="0"/>
-            </a:br>
+            <a:r>
+              <a:rPr lang="ja-JP" altLang="en-US" sz="1200"/>
+              <a:t>メインで利用するものは下記</a:t>
+            </a:r>
+            <a:r>
+              <a:rPr lang="en-US" altLang="ja-JP" sz="1200" dirty="0"/>
+              <a:t>[M]</a:t>
+            </a:r>
+            <a:r>
+              <a:rPr lang="ja-JP" altLang="en-US" sz="1200"/>
+              <a:t>マーク、サブ的に利用するものは</a:t>
+            </a:r>
+            <a:r>
+              <a:rPr lang="en-US" altLang="ja-JP" sz="1200" dirty="0"/>
+              <a:t>[S]</a:t>
+            </a:r>
+            <a:br>
+              <a:rPr lang="en-US" altLang="ja-JP" sz="1200" dirty="0"/>
+            </a:br>
+            <a:br>
+              <a:rPr lang="en-US" altLang="ja-JP" sz="1200" dirty="0"/>
+            </a:br>
+            <a:r>
+              <a:rPr lang="en-US" altLang="ja-JP" sz="1200" dirty="0"/>
+              <a:t>10-1. </a:t>
+            </a:r>
             <a:r>
               <a:rPr lang="ja-JP" altLang="en-US" sz="1200"/>
               <a:t>論文</a:t>
             </a:r>
-            <a:r>
-              <a:rPr lang="en-US" altLang="ja-JP" sz="1200" dirty="0"/>
-              <a:t>:</a:t>
-            </a:r>
-            <a:br>
-              <a:rPr lang="en-US" altLang="ja-JP" sz="1200" dirty="0"/>
-            </a:br>
-            <a:r>
-              <a:rPr lang="en-US" altLang="ja-JP" sz="1200" dirty="0"/>
-              <a:t>https://</a:t>
+            <a:br>
+              <a:rPr lang="en-US" altLang="ja-JP" sz="1200" dirty="0"/>
+            </a:br>
+            <a:r>
+              <a:rPr lang="en-US" altLang="ja-JP" sz="1200" dirty="0"/>
+              <a:t>    [M] </a:t>
+            </a:r>
+            <a:r>
+              <a:rPr lang="en-US" altLang="ja-JP" sz="1200" dirty="0">
+                <a:hlinkClick r:id="rId2"/>
+              </a:rPr>
+              <a:t>https://ieeexplore.ieee.org/document/8067637/all-figures</a:t>
+            </a:r>
+            <a:br>
+              <a:rPr lang="en-US" altLang="ja-JP" sz="1200" dirty="0"/>
+            </a:br>
+            <a:br>
+              <a:rPr lang="en-US" altLang="ja-JP" sz="1200" dirty="0"/>
+            </a:br>
+            <a:r>
+              <a:rPr lang="en-US" altLang="ja-JP" sz="1200" dirty="0"/>
+              <a:t>10-2. </a:t>
+            </a:r>
+            <a:r>
+              <a:rPr lang="ja-JP" altLang="en-US" sz="1200"/>
+              <a:t>脳画像イメージ情報提供サイト</a:t>
+            </a:r>
+            <a:br>
+              <a:rPr lang="en-US" altLang="ja-JP" sz="1200" dirty="0"/>
+            </a:br>
+            <a:r>
+              <a:rPr lang="en-US" altLang="ja-JP" sz="1200" dirty="0"/>
+              <a:t>10-2-1. </a:t>
+            </a:r>
+            <a:r>
+              <a:rPr lang="ja-JP" altLang="en-US" sz="1200"/>
+              <a:t>脳画像イメージのツールやデータセット提供サイト</a:t>
+            </a:r>
+            <a:r>
+              <a:rPr lang="en-US" altLang="ja-JP" sz="1200" dirty="0"/>
+              <a:t> – NITRC</a:t>
+            </a:r>
+            <a:br>
+              <a:rPr lang="en-US" altLang="ja-JP" sz="1200" dirty="0"/>
+            </a:br>
+            <a:r>
+              <a:rPr lang="en-US" altLang="ja-JP" sz="1200" dirty="0"/>
+              <a:t>    [S] </a:t>
+            </a:r>
+            <a:r>
+              <a:rPr lang="en-US" altLang="ja-JP" sz="1200" dirty="0">
+                <a:hlinkClick r:id="rId3"/>
+              </a:rPr>
+              <a:t>https://www.nitrc.org</a:t>
+            </a:r>
+            <a:br>
+              <a:rPr lang="en-US" altLang="ja-JP" sz="1200" dirty="0"/>
+            </a:br>
+            <a:r>
+              <a:rPr lang="en-US" altLang="ja-JP" sz="1200" dirty="0"/>
+              <a:t>10-2-2. </a:t>
+            </a:r>
+            <a:r>
+              <a:rPr lang="ja-JP" altLang="en-US" sz="1200"/>
+              <a:t>脳画像イメージの</a:t>
+            </a:r>
+            <a:r>
+              <a:rPr lang="en-US" altLang="ja-JP" sz="1200" dirty="0"/>
+              <a:t>python</a:t>
+            </a:r>
+            <a:r>
+              <a:rPr lang="ja-JP" altLang="en-US" sz="1200"/>
+              <a:t>ライブラリやチュートリアル提供サイト</a:t>
+            </a:r>
+            <a:r>
+              <a:rPr lang="en-US" altLang="ja-JP" sz="1200" dirty="0"/>
+              <a:t>- </a:t>
             </a:r>
             <a:r>
               <a:rPr lang="en-US" altLang="ja-JP" sz="1200" dirty="0" err="1"/>
-              <a:t>ieeexplore.ieee.org</a:t>
-            </a:r>
-            <a:r>
-              <a:rPr lang="en-US" altLang="ja-JP" sz="1200" dirty="0"/>
-              <a:t>/document/8067637/all-figures</a:t>
-            </a:r>
+              <a:t>Nilearn</a:t>
+            </a:r>
+            <a:br>
+              <a:rPr lang="en-US" altLang="ja-JP" sz="1200" dirty="0"/>
+            </a:br>
+            <a:r>
+              <a:rPr lang="en-US" altLang="ja-JP" sz="1200" dirty="0"/>
+              <a:t>    [S]</a:t>
+            </a:r>
+            <a:r>
+              <a:rPr lang="en-US" altLang="ja-JP" sz="1200" dirty="0">
+                <a:hlinkClick r:id="rId4"/>
+              </a:rPr>
+              <a:t>http://nilearn.github.io/index.html</a:t>
+            </a:r>
+            <a:br>
+              <a:rPr lang="en-US" altLang="ja-JP" sz="1200" dirty="0"/>
+            </a:br>
+            <a:br>
+              <a:rPr lang="en-US" altLang="ja-JP" sz="1200" dirty="0"/>
+            </a:br>
+            <a:r>
+              <a:rPr lang="en-US" altLang="ja-JP" sz="1200" dirty="0"/>
+              <a:t>10-3. </a:t>
+            </a:r>
+            <a:r>
+              <a:rPr lang="ja-JP" altLang="en-US" sz="1200"/>
+              <a:t>データセットやプログラム提供サイト</a:t>
+            </a:r>
+            <a:br>
+              <a:rPr lang="en-US" altLang="ja-JP" sz="1200" dirty="0"/>
+            </a:br>
+            <a:r>
+              <a:rPr lang="en-US" altLang="ja-JP" sz="1200" dirty="0"/>
+              <a:t>10-3-1. ADHD-200</a:t>
+            </a:r>
+            <a:r>
+              <a:rPr lang="ja-JP" altLang="en-US" sz="1200"/>
+              <a:t>コンペティション用の前処理済みのデータセット</a:t>
+            </a:r>
+            <a:br>
+              <a:rPr lang="en-US" altLang="ja-JP" sz="1200" dirty="0"/>
+            </a:br>
+            <a:r>
+              <a:rPr lang="en-US" altLang="ja-JP" sz="1200" dirty="0"/>
+              <a:t>    [S] </a:t>
+            </a:r>
+            <a:r>
+              <a:rPr lang="en-US" altLang="ja-JP" sz="1200" dirty="0">
+                <a:hlinkClick r:id="rId5"/>
+              </a:rPr>
+              <a:t>https://www.nitrc.org/frs/?group_id=383</a:t>
+            </a:r>
+            <a:br>
+              <a:rPr lang="en-US" altLang="ja-JP" sz="1200" dirty="0"/>
+            </a:br>
+            <a:r>
+              <a:rPr lang="en-US" altLang="ja-JP" sz="1200" dirty="0"/>
+              <a:t>    (</a:t>
+            </a:r>
+            <a:r>
+              <a:rPr lang="ja-JP" altLang="en-US" sz="1200"/>
+              <a:t>三つのパッケージが存在</a:t>
+            </a:r>
+            <a:r>
+              <a:rPr lang="en-US" altLang="ja-JP" sz="1200" dirty="0"/>
+              <a:t> – ADHD200 </a:t>
+            </a:r>
+            <a:r>
+              <a:rPr lang="en-US" altLang="ja-JP" sz="1200" dirty="0" err="1"/>
+              <a:t>Preproc</a:t>
+            </a:r>
+            <a:r>
+              <a:rPr lang="en-US" altLang="ja-JP" sz="1200" dirty="0"/>
+              <a:t> NIAK</a:t>
+            </a:r>
+            <a:r>
+              <a:rPr lang="ja-JP" altLang="en-US" sz="1200"/>
+              <a:t>、</a:t>
+            </a:r>
+            <a:r>
+              <a:rPr lang="en-US" altLang="ja-JP" sz="1200" dirty="0"/>
+              <a:t>ADHD </a:t>
+            </a:r>
+            <a:r>
+              <a:rPr lang="en-US" altLang="ja-JP" sz="1200" dirty="0" err="1"/>
+              <a:t>Preproc</a:t>
+            </a:r>
+            <a:r>
+              <a:rPr lang="en-US" altLang="ja-JP" sz="1200" dirty="0"/>
+              <a:t> Burner</a:t>
+            </a:r>
+            <a:r>
+              <a:rPr lang="ja-JP" altLang="en-US" sz="1200"/>
+              <a:t>、</a:t>
+            </a:r>
+            <a:r>
+              <a:rPr lang="en-US" altLang="ja-JP" sz="1200" dirty="0"/>
+              <a:t>ADHD </a:t>
+            </a:r>
+            <a:r>
+              <a:rPr lang="en-US" altLang="ja-JP" sz="1200" dirty="0" err="1"/>
+              <a:t>Preproc</a:t>
+            </a:r>
+            <a:r>
+              <a:rPr lang="en-US" altLang="ja-JP" sz="1200" dirty="0"/>
+              <a:t> Athena)</a:t>
+            </a:r>
+            <a:br>
+              <a:rPr lang="en-US" altLang="ja-JP" sz="1200" dirty="0"/>
+            </a:br>
+            <a:r>
+              <a:rPr lang="en-US" altLang="ja-JP" sz="1200" dirty="0"/>
+              <a:t>10-3-2. ADHD</a:t>
+            </a:r>
+            <a:r>
+              <a:rPr lang="ja-JP" altLang="en-US" sz="1200"/>
+              <a:t>のデータセットとその画像処理プログラム</a:t>
+            </a:r>
+            <a:br>
+              <a:rPr lang="en-US" altLang="ja-JP" sz="1200" dirty="0"/>
+            </a:br>
+            <a:r>
+              <a:rPr lang="en-US" altLang="ja-JP" sz="1200" dirty="0"/>
+              <a:t>    [M] </a:t>
+            </a:r>
+            <a:r>
+              <a:rPr lang="en-US" altLang="ja-JP" sz="1200" dirty="0">
+                <a:hlinkClick r:id="rId6"/>
+              </a:rPr>
+              <a:t>http://nilearn.github.io/modules/generated/nilearn.datasets.fetch_adhd.html</a:t>
+            </a:r>
+            <a:br>
+              <a:rPr lang="en-US" altLang="ja-JP" sz="1200" dirty="0"/>
+            </a:br>
+            <a:r>
+              <a:rPr lang="en-US" altLang="ja-JP" sz="1200" dirty="0"/>
+              <a:t>    (</a:t>
+            </a:r>
+            <a:r>
+              <a:rPr lang="en-US" altLang="ja-JP" sz="1200" dirty="0" err="1"/>
+              <a:t>Jupyter</a:t>
+            </a:r>
+            <a:r>
+              <a:rPr lang="en-US" altLang="ja-JP" sz="1200" dirty="0"/>
+              <a:t> notebook</a:t>
+            </a:r>
+            <a:r>
+              <a:rPr lang="ja-JP" altLang="en-US" sz="1200"/>
+              <a:t>形式のプログラムのダウンロード可</a:t>
+            </a:r>
+            <a:r>
+              <a:rPr lang="en-US" altLang="ja-JP" sz="1200" dirty="0"/>
+              <a:t>)</a:t>
+            </a:r>
+            <a:br>
+              <a:rPr lang="en-US" altLang="ja-JP" sz="1200" dirty="0"/>
+            </a:br>
+            <a:r>
+              <a:rPr lang="en-US" altLang="ja-JP" sz="1200" dirty="0"/>
+              <a:t>    [M] </a:t>
+            </a:r>
+            <a:r>
+              <a:rPr lang="en" altLang="ja-JP" sz="1200" dirty="0">
+                <a:hlinkClick r:id="rId7"/>
+              </a:rPr>
+              <a:t>https://www.nitrc.org/frs/download.php/7781/adhd40_metadata.tgz</a:t>
+            </a:r>
+            <a:br>
+              <a:rPr lang="en" altLang="ja-JP" sz="1200" dirty="0"/>
+            </a:br>
+            <a:r>
+              <a:rPr lang="en" altLang="ja-JP" sz="1200" dirty="0"/>
+              <a:t>     </a:t>
+            </a:r>
+            <a:r>
+              <a:rPr lang="ja-JP" altLang="en-US" sz="1200"/>
+              <a:t>あるいは、</a:t>
+            </a:r>
+            <a:r>
+              <a:rPr lang="en-US" altLang="ja-JP" sz="1200" dirty="0" err="1"/>
+              <a:t>Jupyter</a:t>
+            </a:r>
+            <a:r>
+              <a:rPr lang="en-US" altLang="ja-JP" sz="1200" dirty="0"/>
+              <a:t> Notebook</a:t>
+            </a:r>
+            <a:r>
+              <a:rPr lang="ja-JP" altLang="en-US" sz="1200"/>
+              <a:t>の下記コマンドでデータセットダウンロード可能</a:t>
+            </a:r>
+            <a:br>
+              <a:rPr lang="en-US" altLang="ja-JP" sz="1200" dirty="0"/>
+            </a:br>
+            <a:r>
+              <a:rPr lang="en-US" altLang="ja-JP" sz="1200" dirty="0"/>
+              <a:t>      from </a:t>
+            </a:r>
+            <a:r>
+              <a:rPr lang="en-US" altLang="ja-JP" sz="1200" dirty="0" err="1"/>
+              <a:t>nilearn</a:t>
+            </a:r>
+            <a:r>
+              <a:rPr lang="en-US" altLang="ja-JP" sz="1200" dirty="0"/>
+              <a:t> import </a:t>
+            </a:r>
+            <a:r>
+              <a:rPr lang="en-US" altLang="ja-JP" sz="1200" dirty="0" err="1"/>
+              <a:t>input_data</a:t>
+            </a:r>
+            <a:br>
+              <a:rPr lang="en-US" altLang="ja-JP" sz="1200" dirty="0"/>
+            </a:br>
+            <a:r>
+              <a:rPr lang="en-US" altLang="ja-JP" sz="1200" dirty="0"/>
+              <a:t>       </a:t>
+            </a:r>
+            <a:r>
+              <a:rPr lang="en-US" altLang="ja-JP" sz="1200" dirty="0" err="1"/>
+              <a:t>adhd_dataset</a:t>
+            </a:r>
+            <a:r>
+              <a:rPr lang="en-US" altLang="ja-JP" sz="1200" dirty="0"/>
+              <a:t> = </a:t>
+            </a:r>
+            <a:r>
+              <a:rPr lang="en-US" altLang="ja-JP" sz="1200" dirty="0" err="1"/>
+              <a:t>datasets.fetch_adhd</a:t>
+            </a:r>
+            <a:r>
+              <a:rPr lang="en-US" altLang="ja-JP" sz="1200" dirty="0"/>
+              <a:t>(</a:t>
+            </a:r>
+            <a:r>
+              <a:rPr lang="en-US" altLang="ja-JP" sz="1200" dirty="0" err="1"/>
+              <a:t>n_subjects</a:t>
+            </a:r>
+            <a:r>
+              <a:rPr lang="en-US" altLang="ja-JP" sz="1200" dirty="0"/>
+              <a:t>=None)</a:t>
+            </a:r>
+            <a:br>
+              <a:rPr lang="en-US" altLang="ja-JP" sz="1200" dirty="0"/>
+            </a:br>
+            <a:r>
+              <a:rPr lang="en-US" altLang="ja-JP" sz="1200" dirty="0"/>
+              <a:t>    </a:t>
+            </a:r>
+            <a:br>
+              <a:rPr lang="en-US" altLang="ja-JP" sz="1200" dirty="0"/>
+            </a:br>
+            <a:r>
+              <a:rPr lang="en-US" altLang="ja-JP" sz="1200" dirty="0"/>
+              <a:t>10-3-3. </a:t>
+            </a:r>
+            <a:r>
+              <a:rPr lang="ja-JP" altLang="en-US" sz="1200"/>
+              <a:t>脳画像の機械学習</a:t>
+            </a:r>
+            <a:r>
+              <a:rPr lang="en-US" altLang="ja-JP" sz="1200" dirty="0"/>
+              <a:t>Python</a:t>
+            </a:r>
+            <a:r>
+              <a:rPr lang="ja-JP" altLang="en-US" sz="1200"/>
+              <a:t>コード</a:t>
+            </a:r>
+            <a:br>
+              <a:rPr lang="en-US" altLang="ja-JP" sz="1200" dirty="0"/>
+            </a:br>
+            <a:r>
+              <a:rPr lang="en-US" altLang="ja-JP" sz="1200" dirty="0"/>
+              <a:t>    [S] </a:t>
+            </a:r>
+            <a:r>
+              <a:rPr lang="en-US" altLang="ja-JP" sz="1200" dirty="0">
+                <a:hlinkClick r:id="rId8"/>
+              </a:rPr>
+              <a:t>http://nilearn.github.io/auto_examples/index.html</a:t>
+            </a:r>
+            <a:br>
+              <a:rPr lang="en-US" altLang="ja-JP" sz="1200" dirty="0"/>
+            </a:br>
+            <a:br>
+              <a:rPr lang="en-US" altLang="ja-JP" sz="1200" dirty="0"/>
+            </a:br>
+            <a:r>
+              <a:rPr lang="en-US" altLang="ja-JP" sz="1200" dirty="0"/>
+              <a:t>10-4. ADHD-200</a:t>
+            </a:r>
+            <a:r>
+              <a:rPr lang="ja-JP" altLang="en-US" sz="1200"/>
+              <a:t>コンペティション情報提供サイト</a:t>
+            </a:r>
+            <a:br>
+              <a:rPr lang="en-US" altLang="ja-JP" sz="1200" dirty="0"/>
+            </a:br>
+            <a:r>
+              <a:rPr lang="en-US" altLang="ja-JP" sz="1200" dirty="0"/>
+              <a:t>10-4-1. ADHD-200 </a:t>
+            </a:r>
+            <a:r>
+              <a:rPr lang="ja-JP" altLang="en-US" sz="1200"/>
+              <a:t>コンペティションサイト</a:t>
+            </a:r>
+            <a:br>
+              <a:rPr lang="en-US" altLang="ja-JP" sz="1200" dirty="0"/>
+            </a:br>
+            <a:r>
+              <a:rPr lang="en-US" altLang="ja-JP" sz="1200" dirty="0"/>
+              <a:t>    [S] http://fcon_1000.projects.nitrc.org/</a:t>
+            </a:r>
+            <a:r>
+              <a:rPr lang="en-US" altLang="ja-JP" sz="1200" dirty="0" err="1"/>
+              <a:t>indi</a:t>
+            </a:r>
+            <a:r>
+              <a:rPr lang="en-US" altLang="ja-JP" sz="1200" dirty="0"/>
+              <a:t>/adhd200/</a:t>
+            </a:r>
+            <a:br>
+              <a:rPr lang="en-US" altLang="ja-JP" sz="1200" dirty="0"/>
+            </a:br>
+            <a:r>
+              <a:rPr lang="en-US" altLang="ja-JP" sz="1200" dirty="0"/>
+              <a:t>10-4-2. ADHD-200</a:t>
+            </a:r>
+            <a:r>
+              <a:rPr lang="ja-JP" altLang="en-US" sz="1200"/>
+              <a:t>コンペティションのサポートサイト</a:t>
+            </a:r>
+            <a:br>
+              <a:rPr lang="en-US" altLang="ja-JP" sz="1200" dirty="0"/>
+            </a:br>
+            <a:r>
+              <a:rPr lang="en-US" altLang="ja-JP" sz="1200" dirty="0"/>
+              <a:t>    [S] </a:t>
+            </a:r>
+            <a:r>
+              <a:rPr lang="en-US" altLang="ja-JP" sz="1200" dirty="0">
+                <a:hlinkClick r:id="rId9"/>
+              </a:rPr>
+              <a:t>http://preprocessed-connectomes-project.org/adhd200/index.html</a:t>
+            </a:r>
+            <a:br>
+              <a:rPr lang="en-US" altLang="ja-JP" sz="1200" dirty="0"/>
+            </a:br>
             <a:br>
               <a:rPr lang="en-US" altLang="ja-JP" sz="1200" dirty="0"/>
             </a:br>

--- a/presentation/システム設計書_学習モデル.pptx
+++ b/presentation/システム設計書_学習モデル.pptx
@@ -7,8 +7,10 @@
   <p:sldIdLst>
     <p:sldId id="257" r:id="rId2"/>
     <p:sldId id="258" r:id="rId3"/>
-    <p:sldId id="264" r:id="rId4"/>
-    <p:sldId id="263" r:id="rId5"/>
+    <p:sldId id="266" r:id="rId4"/>
+    <p:sldId id="264" r:id="rId5"/>
+    <p:sldId id="265" r:id="rId6"/>
+    <p:sldId id="263" r:id="rId7"/>
   </p:sldIdLst>
   <p:sldSz cx="9144000" cy="6858000" type="screen4x3"/>
   <p:notesSz cx="6858000" cy="9144000"/>
@@ -305,7 +307,7 @@
           <a:p>
             <a:fld id="{E90ED720-0104-4369-84BC-D37694168613}" type="datetimeFigureOut">
               <a:rPr kumimoji="1" lang="ja-JP" altLang="en-US" smtClean="0"/>
-              <a:t>2018/4/30</a:t>
+              <a:t>2018/5/1</a:t>
             </a:fld>
             <a:endParaRPr kumimoji="1" lang="ja-JP" altLang="en-US"/>
           </a:p>
@@ -500,7 +502,7 @@
           <a:p>
             <a:fld id="{E90ED720-0104-4369-84BC-D37694168613}" type="datetimeFigureOut">
               <a:rPr kumimoji="1" lang="ja-JP" altLang="en-US" smtClean="0"/>
-              <a:t>2018/4/30</a:t>
+              <a:t>2018/5/1</a:t>
             </a:fld>
             <a:endParaRPr kumimoji="1" lang="ja-JP" altLang="en-US"/>
           </a:p>
@@ -705,7 +707,7 @@
           <a:p>
             <a:fld id="{E90ED720-0104-4369-84BC-D37694168613}" type="datetimeFigureOut">
               <a:rPr kumimoji="1" lang="ja-JP" altLang="en-US" smtClean="0"/>
-              <a:t>2018/4/30</a:t>
+              <a:t>2018/5/1</a:t>
             </a:fld>
             <a:endParaRPr kumimoji="1" lang="ja-JP" altLang="en-US"/>
           </a:p>
@@ -900,7 +902,7 @@
           <a:p>
             <a:fld id="{E90ED720-0104-4369-84BC-D37694168613}" type="datetimeFigureOut">
               <a:rPr kumimoji="1" lang="ja-JP" altLang="en-US" smtClean="0"/>
-              <a:t>2018/4/30</a:t>
+              <a:t>2018/5/1</a:t>
             </a:fld>
             <a:endParaRPr kumimoji="1" lang="ja-JP" altLang="en-US"/>
           </a:p>
@@ -1140,7 +1142,7 @@
           <a:p>
             <a:fld id="{E90ED720-0104-4369-84BC-D37694168613}" type="datetimeFigureOut">
               <a:rPr kumimoji="1" lang="ja-JP" altLang="en-US" smtClean="0"/>
-              <a:t>2018/4/30</a:t>
+              <a:t>2018/5/1</a:t>
             </a:fld>
             <a:endParaRPr kumimoji="1" lang="ja-JP" altLang="en-US"/>
           </a:p>
@@ -1484,7 +1486,7 @@
           <a:p>
             <a:fld id="{E90ED720-0104-4369-84BC-D37694168613}" type="datetimeFigureOut">
               <a:rPr kumimoji="1" lang="ja-JP" altLang="en-US" smtClean="0"/>
-              <a:t>2018/4/30</a:t>
+              <a:t>2018/5/1</a:t>
             </a:fld>
             <a:endParaRPr kumimoji="1" lang="ja-JP" altLang="en-US"/>
           </a:p>
@@ -1962,7 +1964,7 @@
           <a:p>
             <a:fld id="{E90ED720-0104-4369-84BC-D37694168613}" type="datetimeFigureOut">
               <a:rPr kumimoji="1" lang="ja-JP" altLang="en-US" smtClean="0"/>
-              <a:t>2018/4/30</a:t>
+              <a:t>2018/5/1</a:t>
             </a:fld>
             <a:endParaRPr kumimoji="1" lang="ja-JP" altLang="en-US"/>
           </a:p>
@@ -2074,7 +2076,7 @@
           <a:p>
             <a:fld id="{E90ED720-0104-4369-84BC-D37694168613}" type="datetimeFigureOut">
               <a:rPr kumimoji="1" lang="ja-JP" altLang="en-US" smtClean="0"/>
-              <a:t>2018/4/30</a:t>
+              <a:t>2018/5/1</a:t>
             </a:fld>
             <a:endParaRPr kumimoji="1" lang="ja-JP" altLang="en-US"/>
           </a:p>
@@ -2164,7 +2166,7 @@
           <a:p>
             <a:fld id="{E90ED720-0104-4369-84BC-D37694168613}" type="datetimeFigureOut">
               <a:rPr kumimoji="1" lang="ja-JP" altLang="en-US" smtClean="0"/>
-              <a:t>2018/4/30</a:t>
+              <a:t>2018/5/1</a:t>
             </a:fld>
             <a:endParaRPr kumimoji="1" lang="ja-JP" altLang="en-US"/>
           </a:p>
@@ -2466,7 +2468,7 @@
           <a:p>
             <a:fld id="{E90ED720-0104-4369-84BC-D37694168613}" type="datetimeFigureOut">
               <a:rPr kumimoji="1" lang="ja-JP" altLang="en-US" smtClean="0"/>
-              <a:t>2018/4/30</a:t>
+              <a:t>2018/5/1</a:t>
             </a:fld>
             <a:endParaRPr kumimoji="1" lang="ja-JP" altLang="en-US"/>
           </a:p>
@@ -2713,7 +2715,7 @@
           <a:p>
             <a:fld id="{E90ED720-0104-4369-84BC-D37694168613}" type="datetimeFigureOut">
               <a:rPr kumimoji="1" lang="ja-JP" altLang="en-US" smtClean="0"/>
-              <a:t>2018/4/30</a:t>
+              <a:t>2018/5/1</a:t>
             </a:fld>
             <a:endParaRPr kumimoji="1" lang="ja-JP" altLang="en-US"/>
           </a:p>
@@ -2951,7 +2953,7 @@
           <a:p>
             <a:fld id="{E90ED720-0104-4369-84BC-D37694168613}" type="datetimeFigureOut">
               <a:rPr kumimoji="1" lang="ja-JP" altLang="en-US" smtClean="0"/>
-              <a:t>2018/4/30</a:t>
+              <a:t>2018/5/1</a:t>
             </a:fld>
             <a:endParaRPr kumimoji="1" lang="ja-JP" altLang="en-US"/>
           </a:p>
@@ -4229,6 +4231,165 @@
             <a:pPr algn="l"/>
             <a:r>
               <a:rPr lang="en-US" altLang="ja-JP" sz="1800" b="1" dirty="0"/>
+              <a:t>4. </a:t>
+            </a:r>
+            <a:r>
+              <a:rPr lang="ja-JP" altLang="en-US" sz="1800" b="1">
+                <a:latin typeface="+mj-ea"/>
+              </a:rPr>
+              <a:t>使用言語</a:t>
+            </a:r>
+            <a:r>
+              <a:rPr lang="en-US" altLang="ja-JP" sz="1800" b="1" dirty="0">
+                <a:latin typeface="+mj-ea"/>
+              </a:rPr>
+              <a:t> </a:t>
+            </a:r>
+            <a:br>
+              <a:rPr lang="en-US" altLang="ja-JP" sz="1800" dirty="0"/>
+            </a:br>
+            <a:br>
+              <a:rPr lang="en-US" altLang="ja-JP" sz="1200" dirty="0"/>
+            </a:br>
+            <a:r>
+              <a:rPr lang="en-US" altLang="ja-JP" sz="1200" dirty="0"/>
+              <a:t>4-1. </a:t>
+            </a:r>
+            <a:r>
+              <a:rPr lang="ja-JP" altLang="en-US" sz="1200"/>
+              <a:t>主要言語</a:t>
+            </a:r>
+            <a:br>
+              <a:rPr lang="en-US" altLang="ja-JP" sz="1200" dirty="0"/>
+            </a:br>
+            <a:r>
+              <a:rPr lang="en-US" altLang="ja-JP" sz="1200" dirty="0"/>
+              <a:t>python – version 3.6.x</a:t>
+            </a:r>
+            <a:br>
+              <a:rPr lang="en-US" altLang="ja-JP" sz="1200" dirty="0"/>
+            </a:br>
+            <a:br>
+              <a:rPr lang="en-US" altLang="ja-JP" sz="1200" dirty="0"/>
+            </a:br>
+            <a:r>
+              <a:rPr lang="en-US" altLang="ja-JP" sz="1200" dirty="0"/>
+              <a:t>4-2. Library</a:t>
+            </a:r>
+            <a:br>
+              <a:rPr lang="en-US" altLang="ja-JP" sz="1200" dirty="0"/>
+            </a:br>
+            <a:r>
+              <a:rPr lang="en-US" altLang="ja-JP" sz="1200" dirty="0"/>
+              <a:t>TensorFlow – version 1.7</a:t>
+            </a:r>
+            <a:br>
+              <a:rPr lang="en-US" altLang="ja-JP" sz="1200" dirty="0"/>
+            </a:br>
+            <a:r>
+              <a:rPr lang="en-US" altLang="ja-JP" sz="1200" dirty="0" err="1"/>
+              <a:t>keras</a:t>
+            </a:r>
+            <a:r>
+              <a:rPr lang="en-US" altLang="ja-JP" sz="1200" dirty="0"/>
+              <a:t> – version xx</a:t>
+            </a:r>
+            <a:br>
+              <a:rPr lang="en-US" altLang="ja-JP" sz="1200" dirty="0"/>
+            </a:br>
+            <a:r>
+              <a:rPr lang="en-US" altLang="ja-JP" sz="1200" dirty="0" err="1"/>
+              <a:t>nilearn</a:t>
+            </a:r>
+            <a:br>
+              <a:rPr lang="en-US" altLang="ja-JP" sz="1200" dirty="0"/>
+            </a:br>
+            <a:br>
+              <a:rPr lang="en-US" altLang="ja-JP" sz="1200" dirty="0"/>
+            </a:br>
+            <a:br>
+              <a:rPr lang="en-US" altLang="ja-JP" sz="1200" dirty="0"/>
+            </a:br>
+            <a:br>
+              <a:rPr lang="en-US" altLang="ja-JP" sz="1200" dirty="0"/>
+            </a:br>
+            <a:br>
+              <a:rPr lang="en-US" altLang="ja-JP" sz="1200" dirty="0"/>
+            </a:br>
+            <a:br>
+              <a:rPr lang="en-US" altLang="ja-JP" sz="1200" dirty="0"/>
+            </a:br>
+            <a:br>
+              <a:rPr lang="en-US" altLang="ja-JP" sz="1200" dirty="0"/>
+            </a:br>
+            <a:br>
+              <a:rPr lang="en-US" altLang="ja-JP" sz="1200" dirty="0"/>
+            </a:br>
+            <a:endParaRPr kumimoji="1" lang="ja-JP" altLang="en-US" sz="1200"/>
+          </a:p>
+        </p:txBody>
+      </p:sp>
+    </p:spTree>
+    <p:extLst>
+      <p:ext uri="{BB962C8B-B14F-4D97-AF65-F5344CB8AC3E}">
+        <p14:creationId xmlns:p14="http://schemas.microsoft.com/office/powerpoint/2010/main" val="450190643"/>
+      </p:ext>
+    </p:extLst>
+  </p:cSld>
+  <p:clrMapOvr>
+    <a:masterClrMapping/>
+  </p:clrMapOvr>
+</p:sld>
+</file>
+
+<file path=ppt/slides/slide4.xml><?xml version="1.0" encoding="utf-8"?>
+<p:sld xmlns:a="http://schemas.openxmlformats.org/drawingml/2006/main" xmlns:r="http://schemas.openxmlformats.org/officeDocument/2006/relationships" xmlns:p="http://schemas.openxmlformats.org/presentationml/2006/main">
+  <p:cSld>
+    <p:spTree>
+      <p:nvGrpSpPr>
+        <p:cNvPr id="1" name=""/>
+        <p:cNvGrpSpPr/>
+        <p:nvPr/>
+      </p:nvGrpSpPr>
+      <p:grpSpPr>
+        <a:xfrm>
+          <a:off x="0" y="0"/>
+          <a:ext cx="0" cy="0"/>
+          <a:chOff x="0" y="0"/>
+          <a:chExt cx="0" cy="0"/>
+        </a:xfrm>
+      </p:grpSpPr>
+      <p:sp>
+        <p:nvSpPr>
+          <p:cNvPr id="2" name="タイトル 1">
+            <a:extLst>
+              <a:ext uri="{FF2B5EF4-FFF2-40B4-BE49-F238E27FC236}">
+                <a16:creationId xmlns:a16="http://schemas.microsoft.com/office/drawing/2014/main" id="{42303C9D-0A55-7140-8AB8-2737FA3B160A}"/>
+              </a:ext>
+            </a:extLst>
+          </p:cNvPr>
+          <p:cNvSpPr>
+            <a:spLocks noGrp="1"/>
+          </p:cNvSpPr>
+          <p:nvPr>
+            <p:ph type="title"/>
+          </p:nvPr>
+        </p:nvSpPr>
+        <p:spPr>
+          <a:xfrm>
+            <a:off x="683568" y="836712"/>
+            <a:ext cx="7776864" cy="4234482"/>
+          </a:xfrm>
+        </p:spPr>
+        <p:txBody>
+          <a:bodyPr anchor="t" anchorCtr="0">
+            <a:noAutofit/>
+          </a:bodyPr>
+          <a:lstStyle/>
+          <a:p>
+            <a:pPr algn="l"/>
+            <a:r>
+              <a:rPr lang="en-US" altLang="ja-JP" sz="1800" b="1" dirty="0"/>
               <a:t>6. </a:t>
             </a:r>
             <a:r>
@@ -4262,10 +4423,215 @@
             </a:br>
             <a:r>
               <a:rPr lang="ja-JP" altLang="en-US" sz="1200"/>
-              <a:t>画像イメージ</a:t>
-            </a:r>
-            <a:br>
-              <a:rPr lang="en-US" altLang="ja-JP" sz="1200" dirty="0"/>
+              <a:t>脳画像イメージ</a:t>
+            </a:r>
+            <a:r>
+              <a:rPr lang="en-US" altLang="ja-JP" sz="1200" dirty="0"/>
+              <a:t>: </a:t>
+            </a:r>
+            <a:r>
+              <a:rPr lang="en-US" altLang="ja-JP" sz="1200" dirty="0" err="1"/>
+              <a:t>NIfTI</a:t>
+            </a:r>
+            <a:r>
+              <a:rPr lang="ja-JP" altLang="en-US" sz="1200"/>
+              <a:t>フォーマット</a:t>
+            </a:r>
+            <a:r>
+              <a:rPr lang="en-US" altLang="ja-JP" sz="1200" dirty="0"/>
+              <a:t> (.</a:t>
+            </a:r>
+            <a:r>
+              <a:rPr lang="en-US" altLang="ja-JP" sz="1200" dirty="0" err="1"/>
+              <a:t>nii</a:t>
+            </a:r>
+            <a:r>
+              <a:rPr lang="en-US" altLang="ja-JP" sz="1200" dirty="0"/>
+              <a:t>)(</a:t>
+            </a:r>
+            <a:r>
+              <a:rPr lang="ja-JP" altLang="en-US" sz="1200"/>
+              <a:t>注</a:t>
+            </a:r>
+            <a:r>
+              <a:rPr lang="en-US" altLang="ja-JP" sz="1200" dirty="0"/>
+              <a:t>)</a:t>
+            </a:r>
+            <a:br>
+              <a:rPr lang="en-US" altLang="ja-JP" sz="1200" dirty="0"/>
+            </a:br>
+            <a:br>
+              <a:rPr lang="en-US" altLang="ja-JP" sz="1200" dirty="0"/>
+            </a:br>
+            <a:r>
+              <a:rPr lang="en-US" altLang="ja-JP" sz="1200" dirty="0"/>
+              <a:t>6-2. </a:t>
+            </a:r>
+            <a:r>
+              <a:rPr lang="ja-JP" altLang="en-US" sz="1200"/>
+              <a:t>出力形式</a:t>
+            </a:r>
+            <a:br>
+              <a:rPr lang="en-US" altLang="ja-JP" sz="1200" dirty="0"/>
+            </a:br>
+            <a:r>
+              <a:rPr lang="ja-JP" altLang="en-US" sz="1200"/>
+              <a:t>学習モデル</a:t>
+            </a:r>
+            <a:r>
+              <a:rPr lang="en-US" altLang="ja-JP" sz="1200" dirty="0"/>
+              <a:t>: JSON</a:t>
+            </a:r>
+            <a:r>
+              <a:rPr lang="ja-JP" altLang="en-US" sz="1200"/>
+              <a:t>フォーマット</a:t>
+            </a:r>
+            <a:r>
+              <a:rPr lang="en-US" altLang="ja-JP" sz="1200" dirty="0"/>
+              <a:t> (.</a:t>
+            </a:r>
+            <a:r>
+              <a:rPr lang="en-US" altLang="ja-JP" sz="1200" dirty="0" err="1"/>
+              <a:t>json</a:t>
+            </a:r>
+            <a:r>
+              <a:rPr lang="en-US" altLang="ja-JP" sz="1200" dirty="0"/>
+              <a:t>)</a:t>
+            </a:r>
+            <a:br>
+              <a:rPr lang="en-US" altLang="ja-JP" sz="1200" dirty="0"/>
+            </a:br>
+            <a:r>
+              <a:rPr lang="ja-JP" altLang="en-US" sz="1200"/>
+              <a:t>学習済み重み</a:t>
+            </a:r>
+            <a:r>
+              <a:rPr lang="en-US" altLang="ja-JP" sz="1200" dirty="0"/>
+              <a:t>/</a:t>
+            </a:r>
+            <a:r>
+              <a:rPr lang="ja-JP" altLang="en-US" sz="1200"/>
+              <a:t>バイアス</a:t>
+            </a:r>
+            <a:r>
+              <a:rPr lang="en-US" altLang="ja-JP" sz="1200" dirty="0"/>
+              <a:t>: HDF5</a:t>
+            </a:r>
+            <a:r>
+              <a:rPr lang="ja-JP" altLang="en-US" sz="1200"/>
+              <a:t>フォーマット</a:t>
+            </a:r>
+            <a:r>
+              <a:rPr lang="en-US" altLang="ja-JP" sz="1200" dirty="0"/>
+              <a:t> (.h5)</a:t>
+            </a:r>
+            <a:br>
+              <a:rPr lang="en-US" altLang="ja-JP" sz="1200" dirty="0"/>
+            </a:br>
+            <a:r>
+              <a:rPr lang="ja-JP" altLang="en-US" sz="1200"/>
+              <a:t>予測結果</a:t>
+            </a:r>
+            <a:r>
+              <a:rPr lang="en-US" altLang="ja-JP" sz="1200" dirty="0"/>
+              <a:t>: </a:t>
+            </a:r>
+            <a:r>
+              <a:rPr lang="ja-JP" altLang="en-US" sz="1200"/>
+              <a:t>ユーザインターフェース画面から呼び出されるパラメータ</a:t>
+            </a:r>
+            <a:br>
+              <a:rPr lang="en-US" altLang="ja-JP" sz="1200" dirty="0"/>
+            </a:br>
+            <a:br>
+              <a:rPr lang="en-US" altLang="ja-JP" sz="1200" dirty="0"/>
+            </a:br>
+            <a:r>
+              <a:rPr lang="en-US" altLang="ja-JP" sz="1000" dirty="0"/>
+              <a:t>(</a:t>
+            </a:r>
+            <a:r>
+              <a:rPr lang="ja-JP" altLang="en-US" sz="1000"/>
+              <a:t>注</a:t>
+            </a:r>
+            <a:r>
+              <a:rPr lang="en-US" altLang="ja-JP" sz="1000" dirty="0"/>
+              <a:t>)</a:t>
+            </a:r>
+            <a:br>
+              <a:rPr lang="en-US" altLang="ja-JP" sz="1000" dirty="0"/>
+            </a:br>
+            <a:r>
+              <a:rPr lang="ja-JP" altLang="en-US" sz="1000"/>
+              <a:t>医用画像の共通フォーマットとし</a:t>
+            </a:r>
+            <a:r>
+              <a:rPr lang="en-US" altLang="ja-JP" sz="1000" dirty="0"/>
+              <a:t>DICOM(Digital Imaging and Communication in Medicine)</a:t>
+            </a:r>
+            <a:r>
+              <a:rPr lang="ja-JP" altLang="en-US" sz="1000"/>
+              <a:t>があるが、空間情報を捉えるための体積</a:t>
+            </a:r>
+            <a:r>
+              <a:rPr lang="en-US" altLang="ja-JP" sz="1000" dirty="0"/>
+              <a:t>(Volume)</a:t>
+            </a:r>
+            <a:r>
+              <a:rPr lang="ja-JP" altLang="en-US" sz="1000"/>
+              <a:t>とピクセル</a:t>
+            </a:r>
+            <a:r>
+              <a:rPr lang="en-US" altLang="ja-JP" sz="1000" dirty="0"/>
+              <a:t>(pixel)</a:t>
+            </a:r>
+            <a:r>
+              <a:rPr lang="ja-JP" altLang="en-US" sz="1000"/>
+              <a:t>を組み合わせたボクセル</a:t>
+            </a:r>
+            <a:r>
+              <a:rPr lang="en-US" altLang="ja-JP" sz="1000" dirty="0"/>
+              <a:t>(voxel)</a:t>
+            </a:r>
+            <a:r>
+              <a:rPr lang="ja-JP" altLang="en-US" sz="1000"/>
+              <a:t>という三次元での正規格子で捉えるに</a:t>
+            </a:r>
+            <a:r>
+              <a:rPr lang="en-US" altLang="ja-JP" sz="1000" dirty="0" err="1"/>
+              <a:t>NIfTI</a:t>
+            </a:r>
+            <a:r>
+              <a:rPr lang="ja-JP" altLang="en-US" sz="1000"/>
+              <a:t>フォーマットが使われる。つまり脳のメタ情報と空間情報を組み合わせるために利用されるのが、</a:t>
+            </a:r>
+            <a:r>
+              <a:rPr lang="en-US" altLang="ja-JP" sz="1000" dirty="0" err="1"/>
+              <a:t>NIfTI</a:t>
+            </a:r>
+            <a:r>
+              <a:rPr lang="ja-JP" altLang="en-US" sz="1000"/>
+              <a:t>フォーマットである。</a:t>
+            </a:r>
+            <a:br>
+              <a:rPr lang="en-US" altLang="ja-JP" sz="1000" dirty="0"/>
+            </a:br>
+            <a:r>
+              <a:rPr lang="ja-JP" altLang="en-US" sz="1000"/>
+              <a:t>参考文献</a:t>
+            </a:r>
+            <a:r>
+              <a:rPr lang="en-US" altLang="ja-JP" sz="1000" dirty="0"/>
+              <a:t>: </a:t>
+            </a:r>
+            <a:r>
+              <a:rPr lang="en-US" altLang="ja-JP" sz="1000" dirty="0">
+                <a:hlinkClick r:id="rId2"/>
+              </a:rPr>
+              <a:t>https://www.jstage.jst.go.jp/article/jjb/33/2/33_145/_pdf</a:t>
+            </a:r>
+            <a:br>
+              <a:rPr lang="en-US" altLang="ja-JP" sz="1800" dirty="0"/>
             </a:br>
             <a:br>
               <a:rPr lang="en-US" altLang="ja-JP" sz="1200" dirty="0"/>
@@ -4299,7 +4665,312 @@
 </p:sld>
 </file>
 
-<file path=ppt/slides/slide4.xml><?xml version="1.0" encoding="utf-8"?>
+<file path=ppt/slides/slide5.xml><?xml version="1.0" encoding="utf-8"?>
+<p:sld xmlns:a="http://schemas.openxmlformats.org/drawingml/2006/main" xmlns:r="http://schemas.openxmlformats.org/officeDocument/2006/relationships" xmlns:p="http://schemas.openxmlformats.org/presentationml/2006/main">
+  <p:cSld>
+    <p:spTree>
+      <p:nvGrpSpPr>
+        <p:cNvPr id="1" name=""/>
+        <p:cNvGrpSpPr/>
+        <p:nvPr/>
+      </p:nvGrpSpPr>
+      <p:grpSpPr>
+        <a:xfrm>
+          <a:off x="0" y="0"/>
+          <a:ext cx="0" cy="0"/>
+          <a:chOff x="0" y="0"/>
+          <a:chExt cx="0" cy="0"/>
+        </a:xfrm>
+      </p:grpSpPr>
+      <p:sp>
+        <p:nvSpPr>
+          <p:cNvPr id="2" name="タイトル 1">
+            <a:extLst>
+              <a:ext uri="{FF2B5EF4-FFF2-40B4-BE49-F238E27FC236}">
+                <a16:creationId xmlns:a16="http://schemas.microsoft.com/office/drawing/2014/main" id="{42303C9D-0A55-7140-8AB8-2737FA3B160A}"/>
+              </a:ext>
+            </a:extLst>
+          </p:cNvPr>
+          <p:cNvSpPr>
+            <a:spLocks noGrp="1"/>
+          </p:cNvSpPr>
+          <p:nvPr>
+            <p:ph type="title"/>
+          </p:nvPr>
+        </p:nvSpPr>
+        <p:spPr>
+          <a:xfrm>
+            <a:off x="683568" y="836712"/>
+            <a:ext cx="7776864" cy="4234482"/>
+          </a:xfrm>
+        </p:spPr>
+        <p:txBody>
+          <a:bodyPr anchor="t" anchorCtr="0">
+            <a:noAutofit/>
+          </a:bodyPr>
+          <a:lstStyle/>
+          <a:p>
+            <a:pPr algn="l"/>
+            <a:r>
+              <a:rPr lang="en-US" altLang="ja-JP" sz="1800" b="1" dirty="0"/>
+              <a:t>7. </a:t>
+            </a:r>
+            <a:r>
+              <a:rPr lang="ja-JP" altLang="en-US" sz="1800" b="1">
+                <a:latin typeface="+mj-ea"/>
+              </a:rPr>
+              <a:t>機能詳細</a:t>
+            </a:r>
+            <a:br>
+              <a:rPr lang="en-US" altLang="ja-JP" sz="1800" dirty="0"/>
+            </a:br>
+            <a:br>
+              <a:rPr lang="en-US" altLang="ja-JP" sz="1200" dirty="0"/>
+            </a:br>
+            <a:r>
+              <a:rPr lang="en-US" altLang="ja-JP" sz="1200" dirty="0"/>
+              <a:t>7-1. </a:t>
+            </a:r>
+            <a:r>
+              <a:rPr lang="ja-JP" altLang="en-US" sz="1200"/>
+              <a:t>入力処理</a:t>
+            </a:r>
+            <a:br>
+              <a:rPr lang="en-US" altLang="ja-JP" sz="1200" dirty="0"/>
+            </a:br>
+            <a:r>
+              <a:rPr lang="en-US" altLang="ja-JP" sz="1200" dirty="0" err="1"/>
+              <a:t>NIfTI</a:t>
+            </a:r>
+            <a:r>
+              <a:rPr lang="ja-JP" altLang="en-US" sz="1200"/>
+              <a:t>ファイルの取り込み</a:t>
+            </a:r>
+            <a:r>
+              <a:rPr lang="en-US" altLang="ja-JP" sz="1200" dirty="0"/>
+              <a:t>:</a:t>
+            </a:r>
+            <a:br>
+              <a:rPr lang="en-US" altLang="ja-JP" sz="1200" dirty="0"/>
+            </a:br>
+            <a:r>
+              <a:rPr lang="en-US" altLang="ja-JP" sz="1200" dirty="0"/>
+              <a:t>from </a:t>
+            </a:r>
+            <a:r>
+              <a:rPr lang="en-US" altLang="ja-JP" sz="1200" dirty="0" err="1"/>
+              <a:t>nilearn</a:t>
+            </a:r>
+            <a:r>
+              <a:rPr lang="en-US" altLang="ja-JP" sz="1200" dirty="0"/>
+              <a:t> import datasets</a:t>
+            </a:r>
+            <a:br>
+              <a:rPr lang="en-US" altLang="ja-JP" sz="1200" dirty="0"/>
+            </a:br>
+            <a:r>
+              <a:rPr lang="en-US" altLang="ja-JP" sz="1200" dirty="0" err="1"/>
+              <a:t>adhd_datasets</a:t>
+            </a:r>
+            <a:r>
+              <a:rPr lang="en-US" altLang="ja-JP" sz="1200" dirty="0"/>
+              <a:t> = </a:t>
+            </a:r>
+            <a:r>
+              <a:rPr lang="en-US" altLang="ja-JP" sz="1200" dirty="0" err="1"/>
+              <a:t>datasets.fetch_adhd</a:t>
+            </a:r>
+            <a:r>
+              <a:rPr lang="en-US" altLang="ja-JP" sz="1200" dirty="0"/>
+              <a:t>()</a:t>
+            </a:r>
+            <a:br>
+              <a:rPr lang="en-US" altLang="ja-JP" sz="1200" dirty="0"/>
+            </a:br>
+            <a:br>
+              <a:rPr lang="en-US" altLang="ja-JP" sz="1200" dirty="0"/>
+            </a:br>
+            <a:br>
+              <a:rPr lang="en-US" altLang="ja-JP" sz="1200" dirty="0"/>
+            </a:br>
+            <a:r>
+              <a:rPr lang="en-US" altLang="ja-JP" sz="1200" dirty="0"/>
+              <a:t>7-2. </a:t>
+            </a:r>
+            <a:r>
+              <a:rPr lang="ja-JP" altLang="en-US" sz="1200"/>
+              <a:t>出力形式</a:t>
+            </a:r>
+            <a:br>
+              <a:rPr lang="en-US" altLang="ja-JP" sz="1200" dirty="0"/>
+            </a:br>
+            <a:r>
+              <a:rPr lang="en-US" altLang="ja-JP" sz="1200" dirty="0"/>
+              <a:t>JSON</a:t>
+            </a:r>
+            <a:r>
+              <a:rPr lang="ja-JP" altLang="en-US" sz="1200"/>
+              <a:t>ファイル</a:t>
+            </a:r>
+            <a:r>
+              <a:rPr lang="en-US" altLang="ja-JP" sz="1200" dirty="0"/>
+              <a:t>(</a:t>
+            </a:r>
+            <a:r>
+              <a:rPr lang="ja-JP" altLang="en-US" sz="1200"/>
+              <a:t>学習モデル</a:t>
+            </a:r>
+            <a:r>
+              <a:rPr lang="en-US" altLang="ja-JP" sz="1200" dirty="0"/>
+              <a:t>)</a:t>
+            </a:r>
+            <a:r>
+              <a:rPr lang="ja-JP" altLang="en-US" sz="1200"/>
+              <a:t>の出力</a:t>
+            </a:r>
+            <a:r>
+              <a:rPr lang="en-US" altLang="ja-JP" sz="1200" dirty="0"/>
+              <a:t>:</a:t>
+            </a:r>
+            <a:br>
+              <a:rPr lang="en-US" altLang="ja-JP" sz="1200" dirty="0"/>
+            </a:br>
+            <a:r>
+              <a:rPr lang="en-US" altLang="ja-JP" sz="1200" dirty="0" err="1"/>
+              <a:t>json_string</a:t>
+            </a:r>
+            <a:r>
+              <a:rPr lang="en-US" altLang="ja-JP" sz="1200" dirty="0"/>
+              <a:t> = </a:t>
+            </a:r>
+            <a:r>
+              <a:rPr lang="en-US" altLang="ja-JP" sz="1200" dirty="0" err="1"/>
+              <a:t>model.to_json</a:t>
+            </a:r>
+            <a:r>
+              <a:rPr lang="en-US" altLang="ja-JP" sz="1200" dirty="0"/>
+              <a:t>()</a:t>
+            </a:r>
+            <a:br>
+              <a:rPr lang="en-US" altLang="ja-JP" sz="1200" dirty="0"/>
+            </a:br>
+            <a:r>
+              <a:rPr lang="en-US" altLang="ja-JP" sz="1200" dirty="0"/>
+              <a:t>open(“</a:t>
+            </a:r>
+            <a:r>
+              <a:rPr lang="en-US" altLang="ja-JP" sz="1200" dirty="0" err="1"/>
+              <a:t>adhd_mri.json</a:t>
+            </a:r>
+            <a:r>
+              <a:rPr lang="en-US" altLang="ja-JP" sz="1200" dirty="0"/>
+              <a:t>”, “w”).write(</a:t>
+            </a:r>
+            <a:r>
+              <a:rPr lang="en-US" altLang="ja-JP" sz="1200" dirty="0" err="1"/>
+              <a:t>json_string</a:t>
+            </a:r>
+            <a:r>
+              <a:rPr lang="en-US" altLang="ja-JP" sz="1200" dirty="0"/>
+              <a:t>)</a:t>
+            </a:r>
+            <a:br>
+              <a:rPr lang="en-US" altLang="ja-JP" sz="1200" dirty="0"/>
+            </a:br>
+            <a:br>
+              <a:rPr lang="en-US" altLang="ja-JP" sz="1200" dirty="0"/>
+            </a:br>
+            <a:r>
+              <a:rPr lang="en-US" altLang="ja-JP" sz="1200" dirty="0"/>
+              <a:t>HDF5</a:t>
+            </a:r>
+            <a:r>
+              <a:rPr lang="ja-JP" altLang="en-US" sz="1200"/>
+              <a:t>ファイル</a:t>
+            </a:r>
+            <a:r>
+              <a:rPr lang="en-US" altLang="ja-JP" sz="1200" dirty="0"/>
+              <a:t>(</a:t>
+            </a:r>
+            <a:r>
+              <a:rPr lang="ja-JP" altLang="en-US" sz="1200"/>
+              <a:t>学習済み重み</a:t>
+            </a:r>
+            <a:r>
+              <a:rPr lang="en-US" altLang="ja-JP" sz="1200" dirty="0"/>
+              <a:t>/</a:t>
+            </a:r>
+            <a:r>
+              <a:rPr lang="ja-JP" altLang="en-US" sz="1200"/>
+              <a:t>バイアス</a:t>
+            </a:r>
+            <a:r>
+              <a:rPr lang="en-US" altLang="ja-JP" sz="1200" dirty="0"/>
+              <a:t>)</a:t>
+            </a:r>
+            <a:r>
+              <a:rPr lang="ja-JP" altLang="en-US" sz="1200"/>
+              <a:t>の出力</a:t>
+            </a:r>
+            <a:r>
+              <a:rPr lang="en-US" altLang="ja-JP" sz="1200" dirty="0"/>
+              <a:t>:</a:t>
+            </a:r>
+            <a:br>
+              <a:rPr lang="en-US" altLang="ja-JP" sz="1200" dirty="0"/>
+            </a:br>
+            <a:r>
+              <a:rPr lang="en-US" altLang="ja-JP" sz="1200" dirty="0" err="1"/>
+              <a:t>model.save_weights</a:t>
+            </a:r>
+            <a:r>
+              <a:rPr lang="en-US" altLang="ja-JP" sz="1200" dirty="0"/>
+              <a:t>(“adhd_mri.h5”)</a:t>
+            </a:r>
+            <a:br>
+              <a:rPr lang="en-US" altLang="ja-JP" sz="1200" dirty="0"/>
+            </a:br>
+            <a:br>
+              <a:rPr lang="en-US" altLang="ja-JP" sz="1200" dirty="0"/>
+            </a:br>
+            <a:r>
+              <a:rPr lang="ja-JP" altLang="en-US" sz="1200"/>
+              <a:t>予測結果</a:t>
+            </a:r>
+            <a:r>
+              <a:rPr lang="en-US" altLang="ja-JP" sz="1200" dirty="0"/>
+              <a:t>: TBD</a:t>
+            </a:r>
+            <a:br>
+              <a:rPr lang="en-US" altLang="ja-JP" sz="1200" dirty="0"/>
+            </a:br>
+            <a:br>
+              <a:rPr lang="en-US" altLang="ja-JP" sz="1200" dirty="0"/>
+            </a:br>
+            <a:br>
+              <a:rPr lang="en-US" altLang="ja-JP" sz="1200" dirty="0"/>
+            </a:br>
+            <a:br>
+              <a:rPr lang="en-US" altLang="ja-JP" sz="1200" dirty="0"/>
+            </a:br>
+            <a:endParaRPr kumimoji="1" lang="ja-JP" altLang="en-US" sz="1200"/>
+          </a:p>
+        </p:txBody>
+      </p:sp>
+    </p:spTree>
+    <p:extLst>
+      <p:ext uri="{BB962C8B-B14F-4D97-AF65-F5344CB8AC3E}">
+        <p14:creationId xmlns:p14="http://schemas.microsoft.com/office/powerpoint/2010/main" val="3158821057"/>
+      </p:ext>
+    </p:extLst>
+  </p:cSld>
+  <p:clrMapOvr>
+    <a:masterClrMapping/>
+  </p:clrMapOvr>
+</p:sld>
+</file>
+
+<file path=ppt/slides/slide6.xml><?xml version="1.0" encoding="utf-8"?>
 <p:sld xmlns:a="http://schemas.openxmlformats.org/drawingml/2006/main" xmlns:r="http://schemas.openxmlformats.org/officeDocument/2006/relationships" xmlns:p="http://schemas.openxmlformats.org/presentationml/2006/main">
   <p:cSld>
     <p:spTree>

--- a/presentation/システム設計書_学習モデル.pptx
+++ b/presentation/システム設計書_学習モデル.pptx
@@ -307,7 +307,7 @@
           <a:p>
             <a:fld id="{E90ED720-0104-4369-84BC-D37694168613}" type="datetimeFigureOut">
               <a:rPr kumimoji="1" lang="ja-JP" altLang="en-US" smtClean="0"/>
-              <a:t>2018/5/1</a:t>
+              <a:t>2018/5/2</a:t>
             </a:fld>
             <a:endParaRPr kumimoji="1" lang="ja-JP" altLang="en-US"/>
           </a:p>
@@ -502,7 +502,7 @@
           <a:p>
             <a:fld id="{E90ED720-0104-4369-84BC-D37694168613}" type="datetimeFigureOut">
               <a:rPr kumimoji="1" lang="ja-JP" altLang="en-US" smtClean="0"/>
-              <a:t>2018/5/1</a:t>
+              <a:t>2018/5/2</a:t>
             </a:fld>
             <a:endParaRPr kumimoji="1" lang="ja-JP" altLang="en-US"/>
           </a:p>
@@ -707,7 +707,7 @@
           <a:p>
             <a:fld id="{E90ED720-0104-4369-84BC-D37694168613}" type="datetimeFigureOut">
               <a:rPr kumimoji="1" lang="ja-JP" altLang="en-US" smtClean="0"/>
-              <a:t>2018/5/1</a:t>
+              <a:t>2018/5/2</a:t>
             </a:fld>
             <a:endParaRPr kumimoji="1" lang="ja-JP" altLang="en-US"/>
           </a:p>
@@ -902,7 +902,7 @@
           <a:p>
             <a:fld id="{E90ED720-0104-4369-84BC-D37694168613}" type="datetimeFigureOut">
               <a:rPr kumimoji="1" lang="ja-JP" altLang="en-US" smtClean="0"/>
-              <a:t>2018/5/1</a:t>
+              <a:t>2018/5/2</a:t>
             </a:fld>
             <a:endParaRPr kumimoji="1" lang="ja-JP" altLang="en-US"/>
           </a:p>
@@ -1142,7 +1142,7 @@
           <a:p>
             <a:fld id="{E90ED720-0104-4369-84BC-D37694168613}" type="datetimeFigureOut">
               <a:rPr kumimoji="1" lang="ja-JP" altLang="en-US" smtClean="0"/>
-              <a:t>2018/5/1</a:t>
+              <a:t>2018/5/2</a:t>
             </a:fld>
             <a:endParaRPr kumimoji="1" lang="ja-JP" altLang="en-US"/>
           </a:p>
@@ -1486,7 +1486,7 @@
           <a:p>
             <a:fld id="{E90ED720-0104-4369-84BC-D37694168613}" type="datetimeFigureOut">
               <a:rPr kumimoji="1" lang="ja-JP" altLang="en-US" smtClean="0"/>
-              <a:t>2018/5/1</a:t>
+              <a:t>2018/5/2</a:t>
             </a:fld>
             <a:endParaRPr kumimoji="1" lang="ja-JP" altLang="en-US"/>
           </a:p>
@@ -1964,7 +1964,7 @@
           <a:p>
             <a:fld id="{E90ED720-0104-4369-84BC-D37694168613}" type="datetimeFigureOut">
               <a:rPr kumimoji="1" lang="ja-JP" altLang="en-US" smtClean="0"/>
-              <a:t>2018/5/1</a:t>
+              <a:t>2018/5/2</a:t>
             </a:fld>
             <a:endParaRPr kumimoji="1" lang="ja-JP" altLang="en-US"/>
           </a:p>
@@ -2076,7 +2076,7 @@
           <a:p>
             <a:fld id="{E90ED720-0104-4369-84BC-D37694168613}" type="datetimeFigureOut">
               <a:rPr kumimoji="1" lang="ja-JP" altLang="en-US" smtClean="0"/>
-              <a:t>2018/5/1</a:t>
+              <a:t>2018/5/2</a:t>
             </a:fld>
             <a:endParaRPr kumimoji="1" lang="ja-JP" altLang="en-US"/>
           </a:p>
@@ -2166,7 +2166,7 @@
           <a:p>
             <a:fld id="{E90ED720-0104-4369-84BC-D37694168613}" type="datetimeFigureOut">
               <a:rPr kumimoji="1" lang="ja-JP" altLang="en-US" smtClean="0"/>
-              <a:t>2018/5/1</a:t>
+              <a:t>2018/5/2</a:t>
             </a:fld>
             <a:endParaRPr kumimoji="1" lang="ja-JP" altLang="en-US"/>
           </a:p>
@@ -2468,7 +2468,7 @@
           <a:p>
             <a:fld id="{E90ED720-0104-4369-84BC-D37694168613}" type="datetimeFigureOut">
               <a:rPr kumimoji="1" lang="ja-JP" altLang="en-US" smtClean="0"/>
-              <a:t>2018/5/1</a:t>
+              <a:t>2018/5/2</a:t>
             </a:fld>
             <a:endParaRPr kumimoji="1" lang="ja-JP" altLang="en-US"/>
           </a:p>
@@ -2715,7 +2715,7 @@
           <a:p>
             <a:fld id="{E90ED720-0104-4369-84BC-D37694168613}" type="datetimeFigureOut">
               <a:rPr kumimoji="1" lang="ja-JP" altLang="en-US" smtClean="0"/>
-              <a:t>2018/5/1</a:t>
+              <a:t>2018/5/2</a:t>
             </a:fld>
             <a:endParaRPr kumimoji="1" lang="ja-JP" altLang="en-US"/>
           </a:p>
@@ -2953,7 +2953,7 @@
           <a:p>
             <a:fld id="{E90ED720-0104-4369-84BC-D37694168613}" type="datetimeFigureOut">
               <a:rPr kumimoji="1" lang="ja-JP" altLang="en-US" smtClean="0"/>
-              <a:t>2018/5/1</a:t>
+              <a:t>2018/5/2</a:t>
             </a:fld>
             <a:endParaRPr kumimoji="1" lang="ja-JP" altLang="en-US"/>
           </a:p>
@@ -4460,6 +4460,82 @@
             <a:br>
               <a:rPr lang="en-US" altLang="ja-JP" sz="1200" dirty="0"/>
             </a:br>
+            <a:r>
+              <a:rPr lang="en-US" altLang="ja-JP" sz="1200" dirty="0"/>
+              <a:t>876</a:t>
+            </a:r>
+            <a:r>
+              <a:rPr lang="ja-JP" altLang="en-US" sz="1200"/>
+              <a:t>被験者の前処理を施した</a:t>
+            </a:r>
+            <a:r>
+              <a:rPr lang="en-US" altLang="ja-JP" sz="1200" dirty="0"/>
+              <a:t>fMRI(</a:t>
+            </a:r>
+            <a:r>
+              <a:rPr lang="en-US" altLang="ja-JP" sz="1200" dirty="0" err="1"/>
+              <a:t>Reho</a:t>
+            </a:r>
+            <a:r>
+              <a:rPr lang="en-US" altLang="ja-JP" sz="1200" dirty="0"/>
+              <a:t>/</a:t>
+            </a:r>
+            <a:r>
+              <a:rPr lang="en-US" altLang="ja-JP" sz="1200" dirty="0" err="1"/>
+              <a:t>fALFF</a:t>
+            </a:r>
+            <a:r>
+              <a:rPr lang="en-US" altLang="ja-JP" sz="1200" dirty="0"/>
+              <a:t>/VMHC)</a:t>
+            </a:r>
+            <a:r>
+              <a:rPr lang="ja-JP" altLang="en-US" sz="1200"/>
+              <a:t>と</a:t>
+            </a:r>
+            <a:r>
+              <a:rPr lang="en-US" altLang="ja-JP" sz="1200" dirty="0" err="1"/>
+              <a:t>sMRI</a:t>
+            </a:r>
+            <a:r>
+              <a:rPr lang="en-US" altLang="ja-JP" sz="1200" dirty="0"/>
+              <a:t>(GM/WM/CSF)</a:t>
+            </a:r>
+            <a:r>
+              <a:rPr lang="ja-JP" altLang="en-US" sz="1200"/>
+              <a:t>の</a:t>
+            </a:r>
+            <a:r>
+              <a:rPr lang="en-US" altLang="ja-JP" sz="1200" dirty="0" err="1"/>
+              <a:t>NIfTI</a:t>
+            </a:r>
+            <a:r>
+              <a:rPr lang="ja-JP" altLang="en-US" sz="1200"/>
+              <a:t>フォーマットファイル</a:t>
+            </a:r>
+            <a:br>
+              <a:rPr lang="en-US" altLang="ja-JP" sz="1200" dirty="0"/>
+            </a:br>
+            <a:r>
+              <a:rPr lang="en-US" altLang="ja-JP" sz="1200" dirty="0" err="1"/>
+              <a:t>RfMRIMaps</a:t>
+            </a:r>
+            <a:r>
+              <a:rPr lang="ja-JP" altLang="en-US" sz="1200"/>
+              <a:t>プロジェクトのサイトからダウンロード</a:t>
+            </a:r>
+            <a:r>
+              <a:rPr lang="en-US" altLang="ja-JP" sz="1200" dirty="0"/>
+              <a:t>: </a:t>
+            </a:r>
+            <a:r>
+              <a:rPr lang="en-US" altLang="ja-JP" sz="1200" dirty="0">
+                <a:hlinkClick r:id="rId2"/>
+              </a:rPr>
+              <a:t>http://mrirc.psych.ac.cn/DownloadRfMRIMaps</a:t>
+            </a:r>
+            <a:br>
+              <a:rPr lang="en-US" altLang="ja-JP" sz="1200" dirty="0"/>
+            </a:br>
             <a:br>
               <a:rPr lang="en-US" altLang="ja-JP" sz="1200" dirty="0"/>
             </a:br>
@@ -4626,7 +4702,7 @@
             </a:r>
             <a:r>
               <a:rPr lang="en-US" altLang="ja-JP" sz="1000" dirty="0">
-                <a:hlinkClick r:id="rId2"/>
+                <a:hlinkClick r:id="rId3"/>
               </a:rPr>
               <a:t>https://www.jstage.jst.go.jp/article/jjb/33/2/33_145/_pdf</a:t>
             </a:r>
